--- a/总结述职模板.pptx
+++ b/总结述职模板.pptx
@@ -31,11 +31,11 @@
       <p:boldItalic r:id="rId18"/>
     </p:embeddedFont>
     <p:embeddedFont>
-      <p:font typeface="等线 Light" panose="02010600030101010101" charset="-122"/>
+      <p:font typeface="等线" panose="02010600030101010101" charset="-122"/>
       <p:regular r:id="rId19"/>
     </p:embeddedFont>
     <p:embeddedFont>
-      <p:font typeface="等线" panose="02010600030101010101" charset="-122"/>
+      <p:font typeface="等线 Light" panose="02010600030101010101" charset="-122"/>
       <p:regular r:id="rId20"/>
     </p:embeddedFont>
   </p:embeddedFontLst>
@@ -134,6 +134,52 @@
       </a:defRPr>
     </a:lvl9pPr>
   </p:defaultTextStyle>
+  <p:extLst>
+    <p:ext uri="{EFAFB233-063F-42B5-8137-9DF3F51BA10A}">
+      <p15:sldGuideLst xmlns:p15="http://schemas.microsoft.com/office/powerpoint/2012/main">
+        <p15:guide id="1" orient="horz" pos="2000" userDrawn="1">
+          <p15:clr>
+            <a:srgbClr val="A4A3A4"/>
+          </p15:clr>
+        </p15:guide>
+        <p15:guide id="2" orient="horz" pos="808" userDrawn="1">
+          <p15:clr>
+            <a:srgbClr val="A4A3A4"/>
+          </p15:clr>
+        </p15:guide>
+        <p15:guide id="3" orient="horz" pos="522" userDrawn="1">
+          <p15:clr>
+            <a:srgbClr val="A4A3A4"/>
+          </p15:clr>
+        </p15:guide>
+        <p15:guide id="4" orient="horz" pos="256" userDrawn="1">
+          <p15:clr>
+            <a:srgbClr val="A4A3A4"/>
+          </p15:clr>
+        </p15:guide>
+        <p15:guide id="5" orient="horz" pos="3946" userDrawn="1">
+          <p15:clr>
+            <a:srgbClr val="A4A3A4"/>
+          </p15:clr>
+        </p15:guide>
+        <p15:guide id="6" pos="3967" userDrawn="1">
+          <p15:clr>
+            <a:srgbClr val="A4A3A4"/>
+          </p15:clr>
+        </p15:guide>
+        <p15:guide id="7" pos="600" userDrawn="1">
+          <p15:clr>
+            <a:srgbClr val="A4A3A4"/>
+          </p15:clr>
+        </p15:guide>
+        <p15:guide id="8" pos="7074" userDrawn="1">
+          <p15:clr>
+            <a:srgbClr val="A4A3A4"/>
+          </p15:clr>
+        </p15:guide>
+      </p15:sldGuideLst>
+    </p:ext>
+  </p:extLst>
 </p:presentation>
 </file>
 
@@ -4164,7 +4210,7 @@
                 <a:ea typeface="微软雅黑" panose="020B0503020204020204" pitchFamily="34" charset="-122"/>
                 <a:cs typeface="微软雅黑" panose="020B0503020204020204" pitchFamily="34" charset="-122"/>
               </a:rPr>
-              <a:t>2022</a:t>
+              <a:t>2025</a:t>
             </a:r>
             <a:r>
               <a:rPr lang="zh-CN" altLang="en-US" sz="4400" spc="300" dirty="0">
@@ -4186,7 +4232,7 @@
                 <a:ea typeface="微软雅黑" panose="020B0503020204020204" pitchFamily="34" charset="-122"/>
                 <a:cs typeface="微软雅黑" panose="020B0503020204020204" pitchFamily="34" charset="-122"/>
               </a:rPr>
-              <a:t>2</a:t>
+              <a:t>8</a:t>
             </a:r>
             <a:r>
               <a:rPr lang="zh-CN" altLang="en-US" sz="4400" spc="300" dirty="0">
@@ -4241,7 +4287,7 @@
                 <a:ea typeface="微软雅黑" panose="020B0503020204020204" pitchFamily="34" charset="-122"/>
                 <a:cs typeface="微软雅黑" panose="020B0503020204020204" pitchFamily="34" charset="-122"/>
               </a:rPr>
-              <a:t>许某某</a:t>
+              <a:t>刘勇琦</a:t>
             </a:r>
             <a:r>
               <a:rPr lang="en-US" altLang="zh-CN" sz="4800" dirty="0">
@@ -4263,7 +4309,7 @@
                 <a:ea typeface="微软雅黑" panose="020B0503020204020204" pitchFamily="34" charset="-122"/>
                 <a:cs typeface="微软雅黑" panose="020B0503020204020204" pitchFamily="34" charset="-122"/>
               </a:rPr>
-              <a:t>2022.2.28</a:t>
+              <a:t>2025.8.28</a:t>
             </a:r>
             <a:endParaRPr lang="en-US" sz="4800" dirty="0">
               <a:solidFill>
